--- a/307-클래스/306-4.예외처리.pptx
+++ b/307-클래스/306-4.예외처리.pptx
@@ -284,7 +284,7 @@
           <a:p>
             <a:fld id="{E56D3435-CF5F-4A8B-810E-0D0E579D9BB8}" type="datetimeFigureOut">
               <a:rPr lang="ko-KR" altLang="en-US" smtClean="0"/>
-              <a:t>2023-05-21</a:t>
+              <a:t>2023-05-26</a:t>
             </a:fld>
             <a:endParaRPr lang="ko-KR" altLang="en-US"/>
           </a:p>
@@ -482,7 +482,7 @@
           <a:p>
             <a:fld id="{E56D3435-CF5F-4A8B-810E-0D0E579D9BB8}" type="datetimeFigureOut">
               <a:rPr lang="ko-KR" altLang="en-US" smtClean="0"/>
-              <a:t>2023-05-21</a:t>
+              <a:t>2023-05-26</a:t>
             </a:fld>
             <a:endParaRPr lang="ko-KR" altLang="en-US"/>
           </a:p>
@@ -690,7 +690,7 @@
           <a:p>
             <a:fld id="{E56D3435-CF5F-4A8B-810E-0D0E579D9BB8}" type="datetimeFigureOut">
               <a:rPr lang="ko-KR" altLang="en-US" smtClean="0"/>
-              <a:t>2023-05-21</a:t>
+              <a:t>2023-05-26</a:t>
             </a:fld>
             <a:endParaRPr lang="ko-KR" altLang="en-US"/>
           </a:p>
@@ -888,7 +888,7 @@
           <a:p>
             <a:fld id="{E56D3435-CF5F-4A8B-810E-0D0E579D9BB8}" type="datetimeFigureOut">
               <a:rPr lang="ko-KR" altLang="en-US" smtClean="0"/>
-              <a:t>2023-05-21</a:t>
+              <a:t>2023-05-26</a:t>
             </a:fld>
             <a:endParaRPr lang="ko-KR" altLang="en-US"/>
           </a:p>
@@ -1163,7 +1163,7 @@
           <a:p>
             <a:fld id="{E56D3435-CF5F-4A8B-810E-0D0E579D9BB8}" type="datetimeFigureOut">
               <a:rPr lang="ko-KR" altLang="en-US" smtClean="0"/>
-              <a:t>2023-05-21</a:t>
+              <a:t>2023-05-26</a:t>
             </a:fld>
             <a:endParaRPr lang="ko-KR" altLang="en-US"/>
           </a:p>
@@ -1428,7 +1428,7 @@
           <a:p>
             <a:fld id="{E56D3435-CF5F-4A8B-810E-0D0E579D9BB8}" type="datetimeFigureOut">
               <a:rPr lang="ko-KR" altLang="en-US" smtClean="0"/>
-              <a:t>2023-05-21</a:t>
+              <a:t>2023-05-26</a:t>
             </a:fld>
             <a:endParaRPr lang="ko-KR" altLang="en-US"/>
           </a:p>
@@ -1840,7 +1840,7 @@
           <a:p>
             <a:fld id="{E56D3435-CF5F-4A8B-810E-0D0E579D9BB8}" type="datetimeFigureOut">
               <a:rPr lang="ko-KR" altLang="en-US" smtClean="0"/>
-              <a:t>2023-05-21</a:t>
+              <a:t>2023-05-26</a:t>
             </a:fld>
             <a:endParaRPr lang="ko-KR" altLang="en-US"/>
           </a:p>
@@ -1981,7 +1981,7 @@
           <a:p>
             <a:fld id="{E56D3435-CF5F-4A8B-810E-0D0E579D9BB8}" type="datetimeFigureOut">
               <a:rPr lang="ko-KR" altLang="en-US" smtClean="0"/>
-              <a:t>2023-05-21</a:t>
+              <a:t>2023-05-26</a:t>
             </a:fld>
             <a:endParaRPr lang="ko-KR" altLang="en-US"/>
           </a:p>
@@ -2094,7 +2094,7 @@
           <a:p>
             <a:fld id="{E56D3435-CF5F-4A8B-810E-0D0E579D9BB8}" type="datetimeFigureOut">
               <a:rPr lang="ko-KR" altLang="en-US" smtClean="0"/>
-              <a:t>2023-05-21</a:t>
+              <a:t>2023-05-26</a:t>
             </a:fld>
             <a:endParaRPr lang="ko-KR" altLang="en-US"/>
           </a:p>
@@ -2405,7 +2405,7 @@
           <a:p>
             <a:fld id="{E56D3435-CF5F-4A8B-810E-0D0E579D9BB8}" type="datetimeFigureOut">
               <a:rPr lang="ko-KR" altLang="en-US" smtClean="0"/>
-              <a:t>2023-05-21</a:t>
+              <a:t>2023-05-26</a:t>
             </a:fld>
             <a:endParaRPr lang="ko-KR" altLang="en-US"/>
           </a:p>
@@ -2693,7 +2693,7 @@
           <a:p>
             <a:fld id="{E56D3435-CF5F-4A8B-810E-0D0E579D9BB8}" type="datetimeFigureOut">
               <a:rPr lang="ko-KR" altLang="en-US" smtClean="0"/>
-              <a:t>2023-05-21</a:t>
+              <a:t>2023-05-26</a:t>
             </a:fld>
             <a:endParaRPr lang="ko-KR" altLang="en-US"/>
           </a:p>
@@ -2934,7 +2934,7 @@
           <a:p>
             <a:fld id="{E56D3435-CF5F-4A8B-810E-0D0E579D9BB8}" type="datetimeFigureOut">
               <a:rPr lang="ko-KR" altLang="en-US" smtClean="0"/>
-              <a:t>2023-05-21</a:t>
+              <a:t>2023-05-26</a:t>
             </a:fld>
             <a:endParaRPr lang="ko-KR" altLang="en-US"/>
           </a:p>
@@ -22578,7 +22578,7 @@
           </a:lstStyle>
           <a:p>
             <a:r>
-              <a:rPr lang="ko-KR" altLang="en-US" sz="1800">
+              <a:rPr lang="ko-KR" altLang="en-US" sz="1800" dirty="0">
                 <a:solidFill>
                   <a:srgbClr val="000000"/>
                 </a:solidFill>
@@ -22587,7 +22587,7 @@
               </a:rPr>
               <a:t>고급 예외 처리</a:t>
             </a:r>
-            <a:endParaRPr lang="en-US" altLang="ko-KR" sz="1800">
+            <a:endParaRPr lang="en-US" altLang="ko-KR" sz="1800" dirty="0">
               <a:solidFill>
                 <a:srgbClr val="000000"/>
               </a:solidFill>
@@ -22598,7 +22598,7 @@
           <a:p>
             <a:pPr lvl="2"/>
             <a:r>
-              <a:rPr lang="en-US" altLang="ko-KR">
+              <a:rPr lang="en-US" altLang="ko-KR" dirty="0">
                 <a:solidFill>
                   <a:srgbClr val="000000"/>
                 </a:solidFill>
@@ -22608,7 +22608,7 @@
               <a:t>try catch finally </a:t>
             </a:r>
             <a:r>
-              <a:rPr lang="ko-KR" altLang="en-US">
+              <a:rPr lang="ko-KR" altLang="en-US" dirty="0">
                 <a:solidFill>
                   <a:srgbClr val="000000"/>
                 </a:solidFill>
@@ -22617,7 +22617,7 @@
               </a:rPr>
               <a:t>구문을 사용해서 예외를 처리</a:t>
             </a:r>
-            <a:endParaRPr lang="en-US" altLang="ko-KR">
+            <a:endParaRPr lang="en-US" altLang="ko-KR" dirty="0">
               <a:solidFill>
                 <a:srgbClr val="000000"/>
               </a:solidFill>
@@ -22627,7 +22627,7 @@
           </a:p>
           <a:p>
             <a:pPr lvl="2"/>
-            <a:endParaRPr lang="en-US" altLang="ko-KR" sz="1400">
+            <a:endParaRPr lang="en-US" altLang="ko-KR" sz="1400" dirty="0">
               <a:solidFill>
                 <a:srgbClr val="000000"/>
               </a:solidFill>
@@ -22637,7 +22637,7 @@
           </a:p>
           <a:p>
             <a:pPr lvl="2"/>
-            <a:endParaRPr lang="en-US" altLang="ko-KR" sz="1400">
+            <a:endParaRPr lang="en-US" altLang="ko-KR" sz="1400" dirty="0">
               <a:solidFill>
                 <a:srgbClr val="000000"/>
               </a:solidFill>
@@ -22647,7 +22647,7 @@
           </a:p>
           <a:p>
             <a:pPr lvl="2"/>
-            <a:endParaRPr lang="en-US" altLang="ko-KR" sz="1400">
+            <a:endParaRPr lang="en-US" altLang="ko-KR" sz="1400" dirty="0">
               <a:solidFill>
                 <a:srgbClr val="000000"/>
               </a:solidFill>
@@ -22657,7 +22657,7 @@
           </a:p>
           <a:p>
             <a:pPr lvl="2"/>
-            <a:endParaRPr lang="en-US" altLang="ko-KR" sz="1400">
+            <a:endParaRPr lang="en-US" altLang="ko-KR" sz="1400" dirty="0">
               <a:solidFill>
                 <a:srgbClr val="000000"/>
               </a:solidFill>
@@ -22667,7 +22667,7 @@
           </a:p>
           <a:p>
             <a:pPr lvl="2"/>
-            <a:endParaRPr lang="en-US" altLang="ko-KR" sz="1400">
+            <a:endParaRPr lang="en-US" altLang="ko-KR" sz="1400" dirty="0">
               <a:solidFill>
                 <a:srgbClr val="000000"/>
               </a:solidFill>
@@ -22677,7 +22677,7 @@
           </a:p>
           <a:p>
             <a:pPr lvl="2"/>
-            <a:endParaRPr lang="en-US" altLang="ko-KR" sz="1400">
+            <a:endParaRPr lang="en-US" altLang="ko-KR" sz="1400" dirty="0">
               <a:solidFill>
                 <a:srgbClr val="000000"/>
               </a:solidFill>
@@ -22687,7 +22687,7 @@
           </a:p>
           <a:p>
             <a:pPr lvl="2"/>
-            <a:endParaRPr lang="en-US" altLang="ko-KR" sz="1400">
+            <a:endParaRPr lang="en-US" altLang="ko-KR" sz="1400" dirty="0">
               <a:solidFill>
                 <a:srgbClr val="000000"/>
               </a:solidFill>
@@ -22697,8 +22697,18 @@
           </a:p>
           <a:p>
             <a:pPr lvl="2"/>
-            <a:r>
-              <a:rPr lang="en-US" altLang="ko-KR">
+            <a:endParaRPr lang="en-US" altLang="ko-KR" dirty="0">
+              <a:solidFill>
+                <a:srgbClr val="000000"/>
+              </a:solidFill>
+              <a:latin typeface="+mn-ea"/>
+              <a:ea typeface="+mn-ea"/>
+            </a:endParaRPr>
+          </a:p>
+          <a:p>
+            <a:pPr lvl="2"/>
+            <a:r>
+              <a:rPr lang="en-US" altLang="ko-KR" dirty="0">
                 <a:solidFill>
                   <a:srgbClr val="000000"/>
                 </a:solidFill>
@@ -22708,7 +22718,7 @@
               <a:t>try </a:t>
             </a:r>
             <a:r>
-              <a:rPr lang="ko-KR" altLang="en-US">
+              <a:rPr lang="ko-KR" altLang="en-US" dirty="0">
                 <a:solidFill>
                   <a:srgbClr val="000000"/>
                 </a:solidFill>
@@ -22718,7 +22728,7 @@
               <a:t>구문 안에서 예외가 발생하면 더 이상 </a:t>
             </a:r>
             <a:r>
-              <a:rPr lang="en-US" altLang="ko-KR">
+              <a:rPr lang="en-US" altLang="ko-KR" dirty="0">
                 <a:solidFill>
                   <a:srgbClr val="000000"/>
                 </a:solidFill>
@@ -22728,7 +22738,7 @@
               <a:t>try </a:t>
             </a:r>
             <a:r>
-              <a:rPr lang="ko-KR" altLang="en-US">
+              <a:rPr lang="ko-KR" altLang="en-US" dirty="0">
                 <a:solidFill>
                   <a:srgbClr val="000000"/>
                 </a:solidFill>
@@ -22738,7 +22748,7 @@
               <a:t>구문을 진행하지 않고 </a:t>
             </a:r>
             <a:r>
-              <a:rPr lang="en-US" altLang="ko-KR">
+              <a:rPr lang="en-US" altLang="ko-KR" dirty="0">
                 <a:solidFill>
                   <a:srgbClr val="000000"/>
                 </a:solidFill>
@@ -22748,7 +22758,7 @@
               <a:t>catch </a:t>
             </a:r>
             <a:r>
-              <a:rPr lang="ko-KR" altLang="en-US">
+              <a:rPr lang="ko-KR" altLang="en-US" dirty="0">
                 <a:solidFill>
                   <a:srgbClr val="000000"/>
                 </a:solidFill>
@@ -22757,7 +22767,7 @@
               </a:rPr>
               <a:t>구문을 실행</a:t>
             </a:r>
-            <a:endParaRPr lang="en-US" altLang="ko-KR">
+            <a:endParaRPr lang="en-US" altLang="ko-KR" dirty="0">
               <a:solidFill>
                 <a:srgbClr val="000000"/>
               </a:solidFill>
@@ -22767,7 +22777,7 @@
           </a:p>
           <a:p>
             <a:pPr lvl="2"/>
-            <a:endParaRPr lang="en-US" altLang="ko-KR" sz="1400">
+            <a:endParaRPr lang="en-US" altLang="ko-KR" sz="1400" dirty="0">
               <a:solidFill>
                 <a:srgbClr val="000000"/>
               </a:solidFill>
@@ -22777,7 +22787,7 @@
           </a:p>
           <a:p>
             <a:pPr lvl="2"/>
-            <a:endParaRPr lang="en-US" altLang="ko-KR" sz="1400">
+            <a:endParaRPr lang="en-US" altLang="ko-KR" sz="1400" dirty="0">
               <a:solidFill>
                 <a:srgbClr val="000000"/>
               </a:solidFill>
@@ -22787,7 +22797,7 @@
           </a:p>
           <a:p>
             <a:pPr lvl="2"/>
-            <a:endParaRPr lang="en-US" altLang="ko-KR" sz="1400">
+            <a:endParaRPr lang="en-US" altLang="ko-KR" sz="1400" dirty="0">
               <a:solidFill>
                 <a:srgbClr val="000000"/>
               </a:solidFill>
@@ -22797,7 +22807,7 @@
           </a:p>
           <a:p>
             <a:pPr lvl="2"/>
-            <a:endParaRPr lang="en-US" altLang="ko-KR" sz="1400">
+            <a:endParaRPr lang="en-US" altLang="ko-KR" sz="1400" dirty="0">
               <a:solidFill>
                 <a:srgbClr val="000000"/>
               </a:solidFill>
@@ -22807,7 +22817,7 @@
           </a:p>
           <a:p>
             <a:pPr lvl="2"/>
-            <a:endParaRPr lang="en-US" altLang="ko-KR" sz="1400">
+            <a:endParaRPr lang="en-US" altLang="ko-KR" sz="1400" dirty="0">
               <a:solidFill>
                 <a:srgbClr val="000000"/>
               </a:solidFill>
@@ -22817,7 +22827,7 @@
           </a:p>
           <a:p>
             <a:pPr lvl="2"/>
-            <a:endParaRPr lang="en-US" altLang="ko-KR" sz="1400">
+            <a:endParaRPr lang="en-US" altLang="ko-KR" sz="1400" dirty="0">
               <a:solidFill>
                 <a:srgbClr val="000000"/>
               </a:solidFill>
